--- a/memo/Realistic Camera.pptx
+++ b/memo/Realistic Camera.pptx
@@ -106,6 +106,11 @@
       </a:defRPr>
     </a:lvl9pPr>
   </p:defaultTextStyle>
+  <p:extLst>
+    <p:ext uri="{EFAFB233-063F-42B5-8137-9DF3F51BA10A}">
+      <p15:sldGuideLst xmlns:p15="http://schemas.microsoft.com/office/powerpoint/2012/main"/>
+    </p:ext>
+  </p:extLst>
 </p:presentation>
 </file>
 
@@ -240,7 +245,7 @@
           <a:p>
             <a:fld id="{89A0B602-6A5E-49A2-A0E4-3A61135F8D4F}" type="datetimeFigureOut">
               <a:rPr kumimoji="1" lang="ja-JP" altLang="en-US" smtClean="0"/>
-              <a:t>2025/2/22</a:t>
+              <a:t>2025/3/21</a:t>
             </a:fld>
             <a:endParaRPr kumimoji="1" lang="ja-JP" altLang="en-US"/>
           </a:p>
@@ -442,7 +447,7 @@
           <a:p>
             <a:fld id="{89A0B602-6A5E-49A2-A0E4-3A61135F8D4F}" type="datetimeFigureOut">
               <a:rPr kumimoji="1" lang="ja-JP" altLang="en-US" smtClean="0"/>
-              <a:t>2025/2/22</a:t>
+              <a:t>2025/3/21</a:t>
             </a:fld>
             <a:endParaRPr kumimoji="1" lang="ja-JP" altLang="en-US"/>
           </a:p>
@@ -654,7 +659,7 @@
           <a:p>
             <a:fld id="{89A0B602-6A5E-49A2-A0E4-3A61135F8D4F}" type="datetimeFigureOut">
               <a:rPr kumimoji="1" lang="ja-JP" altLang="en-US" smtClean="0"/>
-              <a:t>2025/2/22</a:t>
+              <a:t>2025/3/21</a:t>
             </a:fld>
             <a:endParaRPr kumimoji="1" lang="ja-JP" altLang="en-US"/>
           </a:p>
@@ -856,7 +861,7 @@
           <a:p>
             <a:fld id="{89A0B602-6A5E-49A2-A0E4-3A61135F8D4F}" type="datetimeFigureOut">
               <a:rPr kumimoji="1" lang="ja-JP" altLang="en-US" smtClean="0"/>
-              <a:t>2025/2/22</a:t>
+              <a:t>2025/3/21</a:t>
             </a:fld>
             <a:endParaRPr kumimoji="1" lang="ja-JP" altLang="en-US"/>
           </a:p>
@@ -1102,7 +1107,7 @@
           <a:p>
             <a:fld id="{89A0B602-6A5E-49A2-A0E4-3A61135F8D4F}" type="datetimeFigureOut">
               <a:rPr kumimoji="1" lang="ja-JP" altLang="en-US" smtClean="0"/>
-              <a:t>2025/2/22</a:t>
+              <a:t>2025/3/21</a:t>
             </a:fld>
             <a:endParaRPr kumimoji="1" lang="ja-JP" altLang="en-US"/>
           </a:p>
@@ -1398,7 +1403,7 @@
           <a:p>
             <a:fld id="{89A0B602-6A5E-49A2-A0E4-3A61135F8D4F}" type="datetimeFigureOut">
               <a:rPr kumimoji="1" lang="ja-JP" altLang="en-US" smtClean="0"/>
-              <a:t>2025/2/22</a:t>
+              <a:t>2025/3/21</a:t>
             </a:fld>
             <a:endParaRPr kumimoji="1" lang="ja-JP" altLang="en-US"/>
           </a:p>
@@ -1829,7 +1834,7 @@
           <a:p>
             <a:fld id="{89A0B602-6A5E-49A2-A0E4-3A61135F8D4F}" type="datetimeFigureOut">
               <a:rPr kumimoji="1" lang="ja-JP" altLang="en-US" smtClean="0"/>
-              <a:t>2025/2/22</a:t>
+              <a:t>2025/3/21</a:t>
             </a:fld>
             <a:endParaRPr kumimoji="1" lang="ja-JP" altLang="en-US"/>
           </a:p>
@@ -1947,7 +1952,7 @@
           <a:p>
             <a:fld id="{89A0B602-6A5E-49A2-A0E4-3A61135F8D4F}" type="datetimeFigureOut">
               <a:rPr kumimoji="1" lang="ja-JP" altLang="en-US" smtClean="0"/>
-              <a:t>2025/2/22</a:t>
+              <a:t>2025/3/21</a:t>
             </a:fld>
             <a:endParaRPr kumimoji="1" lang="ja-JP" altLang="en-US"/>
           </a:p>
@@ -2042,7 +2047,7 @@
           <a:p>
             <a:fld id="{89A0B602-6A5E-49A2-A0E4-3A61135F8D4F}" type="datetimeFigureOut">
               <a:rPr kumimoji="1" lang="ja-JP" altLang="en-US" smtClean="0"/>
-              <a:t>2025/2/22</a:t>
+              <a:t>2025/3/21</a:t>
             </a:fld>
             <a:endParaRPr kumimoji="1" lang="ja-JP" altLang="en-US"/>
           </a:p>
@@ -2351,7 +2356,7 @@
           <a:p>
             <a:fld id="{89A0B602-6A5E-49A2-A0E4-3A61135F8D4F}" type="datetimeFigureOut">
               <a:rPr kumimoji="1" lang="ja-JP" altLang="en-US" smtClean="0"/>
-              <a:t>2025/2/22</a:t>
+              <a:t>2025/3/21</a:t>
             </a:fld>
             <a:endParaRPr kumimoji="1" lang="ja-JP" altLang="en-US"/>
           </a:p>
@@ -2608,7 +2613,7 @@
           <a:p>
             <a:fld id="{89A0B602-6A5E-49A2-A0E4-3A61135F8D4F}" type="datetimeFigureOut">
               <a:rPr kumimoji="1" lang="ja-JP" altLang="en-US" smtClean="0"/>
-              <a:t>2025/2/22</a:t>
+              <a:t>2025/3/21</a:t>
             </a:fld>
             <a:endParaRPr kumimoji="1" lang="ja-JP" altLang="en-US"/>
           </a:p>
@@ -2853,7 +2858,7 @@
           <a:p>
             <a:fld id="{89A0B602-6A5E-49A2-A0E4-3A61135F8D4F}" type="datetimeFigureOut">
               <a:rPr kumimoji="1" lang="ja-JP" altLang="en-US" smtClean="0"/>
-              <a:t>2025/2/22</a:t>
+              <a:t>2025/3/21</a:t>
             </a:fld>
             <a:endParaRPr kumimoji="1" lang="ja-JP" altLang="en-US"/>
           </a:p>
@@ -3305,7 +3310,9 @@
         </p:nvSpPr>
         <p:spPr/>
         <p:txBody>
-          <a:bodyPr/>
+          <a:bodyPr>
+            <a:normAutofit lnSpcReduction="10000"/>
+          </a:bodyPr>
           <a:lstStyle/>
           <a:p>
             <a:r>
@@ -3346,23 +3353,26 @@
             <a:pPr lvl="1"/>
             <a:r>
               <a:rPr lang="en-US" altLang="ja-JP"/>
-              <a:t>thickness</a:t>
-            </a:r>
-            <a:r>
-              <a:rPr lang="ja-JP" altLang="en-US"/>
-              <a:t>は次の界面からの距離</a:t>
-            </a:r>
-            <a:endParaRPr lang="en-US" altLang="ja-JP"/>
-          </a:p>
-          <a:p>
-            <a:pPr lvl="1"/>
-            <a:r>
+              <a:t>thickness/ior</a:t>
+            </a:r>
+            <a:r>
+              <a:rPr lang="ja-JP" altLang="en-US"/>
+              <a:t>はフィルム側の</a:t>
+            </a:r>
+            <a:br>
               <a:rPr lang="en-US" altLang="ja-JP"/>
-              <a:t>ior</a:t>
-            </a:r>
-            <a:r>
-              <a:rPr lang="ja-JP" altLang="en-US"/>
-              <a:t>は次の界面側の屈折率</a:t>
+            </a:br>
+            <a:r>
+              <a:rPr lang="ja-JP" altLang="en-US"/>
+              <a:t>次の界面からの距離</a:t>
+            </a:r>
+            <a:r>
+              <a:rPr lang="en-US" altLang="ja-JP"/>
+              <a:t>/</a:t>
+            </a:r>
+            <a:r>
+              <a:rPr lang="ja-JP" altLang="en-US"/>
+              <a:t>屈折率</a:t>
             </a:r>
             <a:endParaRPr lang="en-US" altLang="ja-JP"/>
           </a:p>
@@ -3376,6 +3386,56 @@
               <a:rPr lang="ja-JP" altLang="en-US"/>
               <a:t>は絞り</a:t>
             </a:r>
+            <a:endParaRPr lang="en-US" altLang="ja-JP"/>
+          </a:p>
+          <a:p>
+            <a:pPr lvl="1"/>
+            <a:r>
+              <a:rPr lang="en-US" altLang="ja-JP"/>
+              <a:t>curvature radius</a:t>
+            </a:r>
+            <a:r>
+              <a:rPr lang="ja-JP" altLang="en-US"/>
+              <a:t>はレンズ半径</a:t>
+            </a:r>
+            <a:endParaRPr lang="en-US" altLang="ja-JP"/>
+          </a:p>
+          <a:p>
+            <a:pPr lvl="2"/>
+            <a:r>
+              <a:rPr lang="ja-JP" altLang="en-US"/>
+              <a:t>フィルム側の次の界面からの</a:t>
+            </a:r>
+            <a:br>
+              <a:rPr lang="en-US" altLang="ja-JP"/>
+            </a:br>
+            <a:r>
+              <a:rPr lang="ja-JP" altLang="en-US"/>
+              <a:t>円の中心距離は </a:t>
+            </a:r>
+            <a:r>
+              <a:rPr lang="en-US" altLang="ja-JP"/>
+              <a:t>thickness - radius</a:t>
+            </a:r>
+          </a:p>
+          <a:p>
+            <a:pPr lvl="2"/>
+            <a:r>
+              <a:rPr lang="ja-JP" altLang="en-US"/>
+              <a:t>負は凸面</a:t>
+            </a:r>
+            <a:endParaRPr lang="en-US" altLang="ja-JP"/>
+          </a:p>
+          <a:p>
+            <a:pPr lvl="2"/>
+            <a:r>
+              <a:rPr lang="ja-JP" altLang="en-US"/>
+              <a:t>正は凹面</a:t>
+            </a:r>
+            <a:endParaRPr lang="en-US" altLang="ja-JP"/>
+          </a:p>
+          <a:p>
+            <a:pPr lvl="2"/>
             <a:endParaRPr lang="en-US" altLang="ja-JP"/>
           </a:p>
         </p:txBody>
@@ -3681,8 +3741,8 @@
           </a:p>
         </p:txBody>
       </p:sp>
-      <mc:AlternateContent xmlns:mc="http://schemas.openxmlformats.org/markup-compatibility/2006">
-        <mc:Choice xmlns:a14="http://schemas.microsoft.com/office/drawing/2010/main" Requires="a14">
+      <mc:AlternateContent xmlns:mc="http://schemas.openxmlformats.org/markup-compatibility/2006" xmlns:a14="http://schemas.microsoft.com/office/drawing/2010/main">
+        <mc:Choice Requires="a14">
           <p:sp>
             <p:nvSpPr>
               <p:cNvPr id="3" name="コンテンツ プレースホルダー 2">
@@ -4709,7 +4769,7 @@
             </p:txBody>
           </p:sp>
         </mc:Choice>
-        <mc:Fallback>
+        <mc:Fallback xmlns="">
           <p:sp>
             <p:nvSpPr>
               <p:cNvPr id="3" name="コンテンツ プレースホルダー 2">
@@ -4783,6 +4843,668 @@
           </a:prstGeom>
         </p:spPr>
       </p:pic>
+      <mc:AlternateContent xmlns:mc="http://schemas.openxmlformats.org/markup-compatibility/2006">
+        <mc:Choice xmlns:a14="http://schemas.microsoft.com/office/drawing/2010/main" Requires="a14">
+          <p:sp>
+            <p:nvSpPr>
+              <p:cNvPr id="4" name="テキスト ボックス 3">
+                <a:extLst>
+                  <a:ext uri="{FF2B5EF4-FFF2-40B4-BE49-F238E27FC236}">
+                    <a16:creationId xmlns:a16="http://schemas.microsoft.com/office/drawing/2014/main" id="{D6C30E39-1191-7186-1B59-B178AA89C8D4}"/>
+                  </a:ext>
+                </a:extLst>
+              </p:cNvPr>
+              <p:cNvSpPr txBox="1"/>
+              <p:nvPr/>
+            </p:nvSpPr>
+            <p:spPr>
+              <a:xfrm>
+                <a:off x="7666715" y="4358130"/>
+                <a:ext cx="4157099" cy="1302664"/>
+              </a:xfrm>
+              <a:prstGeom prst="rect">
+                <a:avLst/>
+              </a:prstGeom>
+              <a:noFill/>
+            </p:spPr>
+            <p:txBody>
+              <a:bodyPr wrap="none" rtlCol="0">
+                <a:spAutoFit/>
+              </a:bodyPr>
+              <a:lstStyle/>
+              <a:p>
+                <a14:m>
+                  <m:oMathPara xmlns:m="http://schemas.openxmlformats.org/officeDocument/2006/math">
+                    <m:oMathParaPr>
+                      <m:jc m:val="centerGroup"/>
+                    </m:oMathParaPr>
+                    <m:oMath xmlns:m="http://schemas.openxmlformats.org/officeDocument/2006/math">
+                      <m:sSub>
+                        <m:sSubPr>
+                          <m:ctrlPr>
+                            <a:rPr kumimoji="1" lang="en-US" altLang="ja-JP" sz="1600" b="0" i="1" smtClean="0">
+                              <a:latin typeface="Cambria Math" panose="02040503050406030204" pitchFamily="18" charset="0"/>
+                            </a:rPr>
+                          </m:ctrlPr>
+                        </m:sSubPr>
+                        <m:e>
+                          <m:r>
+                            <a:rPr kumimoji="1" lang="en-US" altLang="ja-JP" sz="1600" b="0" i="1" smtClean="0">
+                              <a:latin typeface="Cambria Math" panose="02040503050406030204" pitchFamily="18" charset="0"/>
+                            </a:rPr>
+                            <m:t>𝑡</m:t>
+                          </m:r>
+                        </m:e>
+                        <m:sub>
+                          <m:r>
+                            <a:rPr kumimoji="1" lang="en-US" altLang="ja-JP" sz="1600" b="0" i="1" smtClean="0">
+                              <a:latin typeface="Cambria Math" panose="02040503050406030204" pitchFamily="18" charset="0"/>
+                            </a:rPr>
+                            <m:t>𝑓</m:t>
+                          </m:r>
+                        </m:sub>
+                      </m:sSub>
+                      <m:r>
+                        <a:rPr kumimoji="1" lang="en-US" altLang="ja-JP" sz="1600" b="0" i="1" smtClean="0">
+                          <a:latin typeface="Cambria Math" panose="02040503050406030204" pitchFamily="18" charset="0"/>
+                        </a:rPr>
+                        <m:t>=−</m:t>
+                      </m:r>
+                      <m:f>
+                        <m:fPr>
+                          <m:ctrlPr>
+                            <a:rPr kumimoji="1" lang="en-US" altLang="ja-JP" sz="1600" b="0" i="1" smtClean="0">
+                              <a:latin typeface="Cambria Math" panose="02040503050406030204" pitchFamily="18" charset="0"/>
+                            </a:rPr>
+                          </m:ctrlPr>
+                        </m:fPr>
+                        <m:num>
+                          <m:sSub>
+                            <m:sSubPr>
+                              <m:ctrlPr>
+                                <a:rPr kumimoji="1" lang="en-US" altLang="ja-JP" sz="1600" b="0" i="1" smtClean="0">
+                                  <a:latin typeface="Cambria Math" panose="02040503050406030204" pitchFamily="18" charset="0"/>
+                                </a:rPr>
+                              </m:ctrlPr>
+                            </m:sSubPr>
+                            <m:e>
+                              <m:r>
+                                <a:rPr kumimoji="1" lang="en-US" altLang="ja-JP" sz="1600" b="0" i="1" smtClean="0">
+                                  <a:latin typeface="Cambria Math" panose="02040503050406030204" pitchFamily="18" charset="0"/>
+                                </a:rPr>
+                                <m:t>𝑜</m:t>
+                              </m:r>
+                            </m:e>
+                            <m:sub>
+                              <m:r>
+                                <a:rPr kumimoji="1" lang="en-US" altLang="ja-JP" sz="1600" b="0" i="1" smtClean="0">
+                                  <a:latin typeface="Cambria Math" panose="02040503050406030204" pitchFamily="18" charset="0"/>
+                                </a:rPr>
+                                <m:t>𝑜𝑢𝑡</m:t>
+                              </m:r>
+                              <m:r>
+                                <a:rPr kumimoji="1" lang="en-US" altLang="ja-JP" sz="1600" b="0" i="1" smtClean="0">
+                                  <a:latin typeface="Cambria Math" panose="02040503050406030204" pitchFamily="18" charset="0"/>
+                                </a:rPr>
+                                <m:t>,</m:t>
+                              </m:r>
+                              <m:r>
+                                <a:rPr kumimoji="1" lang="en-US" altLang="ja-JP" sz="1600" b="0" i="1" smtClean="0">
+                                  <a:latin typeface="Cambria Math" panose="02040503050406030204" pitchFamily="18" charset="0"/>
+                                </a:rPr>
+                                <m:t>𝑥</m:t>
+                              </m:r>
+                            </m:sub>
+                          </m:sSub>
+                        </m:num>
+                        <m:den>
+                          <m:sSub>
+                            <m:sSubPr>
+                              <m:ctrlPr>
+                                <a:rPr kumimoji="1" lang="en-US" altLang="ja-JP" sz="1600" b="0" i="1" smtClean="0">
+                                  <a:latin typeface="Cambria Math" panose="02040503050406030204" pitchFamily="18" charset="0"/>
+                                </a:rPr>
+                              </m:ctrlPr>
+                            </m:sSubPr>
+                            <m:e>
+                              <m:r>
+                                <a:rPr kumimoji="1" lang="en-US" altLang="ja-JP" sz="1600" b="0" i="1" smtClean="0">
+                                  <a:latin typeface="Cambria Math" panose="02040503050406030204" pitchFamily="18" charset="0"/>
+                                </a:rPr>
+                                <m:t>𝑑</m:t>
+                              </m:r>
+                            </m:e>
+                            <m:sub>
+                              <m:r>
+                                <a:rPr kumimoji="1" lang="en-US" altLang="ja-JP" sz="1600" b="0" i="1" smtClean="0">
+                                  <a:latin typeface="Cambria Math" panose="02040503050406030204" pitchFamily="18" charset="0"/>
+                                </a:rPr>
+                                <m:t>𝑜𝑢𝑡</m:t>
+                              </m:r>
+                              <m:r>
+                                <a:rPr kumimoji="1" lang="en-US" altLang="ja-JP" sz="1600" b="0" i="1" smtClean="0">
+                                  <a:latin typeface="Cambria Math" panose="02040503050406030204" pitchFamily="18" charset="0"/>
+                                </a:rPr>
+                                <m:t>,</m:t>
+                              </m:r>
+                              <m:r>
+                                <a:rPr kumimoji="1" lang="en-US" altLang="ja-JP" sz="1600" b="0" i="1" smtClean="0">
+                                  <a:latin typeface="Cambria Math" panose="02040503050406030204" pitchFamily="18" charset="0"/>
+                                </a:rPr>
+                                <m:t>𝑥</m:t>
+                              </m:r>
+                            </m:sub>
+                          </m:sSub>
+                        </m:den>
+                      </m:f>
+                      <m:r>
+                        <a:rPr kumimoji="1" lang="en-US" altLang="ja-JP" sz="1600" b="0" i="1" smtClean="0">
+                          <a:latin typeface="Cambria Math" panose="02040503050406030204" pitchFamily="18" charset="0"/>
+                        </a:rPr>
+                        <m:t>,  </m:t>
+                      </m:r>
+                      <m:sSub>
+                        <m:sSubPr>
+                          <m:ctrlPr>
+                            <a:rPr kumimoji="1" lang="en-US" altLang="ja-JP" sz="1600" b="0" i="1" smtClean="0">
+                              <a:latin typeface="Cambria Math" panose="02040503050406030204" pitchFamily="18" charset="0"/>
+                            </a:rPr>
+                          </m:ctrlPr>
+                        </m:sSubPr>
+                        <m:e>
+                          <m:r>
+                            <a:rPr kumimoji="1" lang="en-US" altLang="ja-JP" sz="1600" b="0" i="1" smtClean="0">
+                              <a:latin typeface="Cambria Math" panose="02040503050406030204" pitchFamily="18" charset="0"/>
+                            </a:rPr>
+                            <m:t>𝑓</m:t>
+                          </m:r>
+                        </m:e>
+                        <m:sub>
+                          <m:r>
+                            <a:rPr kumimoji="1" lang="en-US" altLang="ja-JP" sz="1600" b="0" i="1" smtClean="0">
+                              <a:latin typeface="Cambria Math" panose="02040503050406030204" pitchFamily="18" charset="0"/>
+                            </a:rPr>
+                            <m:t>𝑧</m:t>
+                          </m:r>
+                        </m:sub>
+                      </m:sSub>
+                      <m:r>
+                        <a:rPr kumimoji="1" lang="en-US" altLang="ja-JP" sz="1600" b="0" i="1" smtClean="0">
+                          <a:latin typeface="Cambria Math" panose="02040503050406030204" pitchFamily="18" charset="0"/>
+                        </a:rPr>
+                        <m:t>=</m:t>
+                      </m:r>
+                      <m:sSub>
+                        <m:sSubPr>
+                          <m:ctrlPr>
+                            <a:rPr kumimoji="1" lang="en-US" altLang="ja-JP" sz="1600" b="0" i="1" smtClean="0">
+                              <a:latin typeface="Cambria Math" panose="02040503050406030204" pitchFamily="18" charset="0"/>
+                            </a:rPr>
+                          </m:ctrlPr>
+                        </m:sSubPr>
+                        <m:e>
+                          <m:r>
+                            <a:rPr kumimoji="1" lang="en-US" altLang="ja-JP" sz="1600" b="0" i="1" smtClean="0">
+                              <a:latin typeface="Cambria Math" panose="02040503050406030204" pitchFamily="18" charset="0"/>
+                            </a:rPr>
+                            <m:t>𝑜</m:t>
+                          </m:r>
+                        </m:e>
+                        <m:sub>
+                          <m:r>
+                            <a:rPr kumimoji="1" lang="en-US" altLang="ja-JP" sz="1600" b="0" i="1" smtClean="0">
+                              <a:latin typeface="Cambria Math" panose="02040503050406030204" pitchFamily="18" charset="0"/>
+                            </a:rPr>
+                            <m:t>𝑜𝑢𝑡</m:t>
+                          </m:r>
+                          <m:r>
+                            <a:rPr kumimoji="1" lang="en-US" altLang="ja-JP" sz="1600" b="0" i="1" smtClean="0">
+                              <a:latin typeface="Cambria Math" panose="02040503050406030204" pitchFamily="18" charset="0"/>
+                            </a:rPr>
+                            <m:t>,</m:t>
+                          </m:r>
+                          <m:r>
+                            <a:rPr kumimoji="1" lang="en-US" altLang="ja-JP" sz="1600" b="0" i="1" smtClean="0">
+                              <a:latin typeface="Cambria Math" panose="02040503050406030204" pitchFamily="18" charset="0"/>
+                            </a:rPr>
+                            <m:t>𝑧</m:t>
+                          </m:r>
+                        </m:sub>
+                      </m:sSub>
+                      <m:r>
+                        <a:rPr kumimoji="1" lang="en-US" altLang="ja-JP" sz="1600" b="0" i="1" smtClean="0">
+                          <a:latin typeface="Cambria Math" panose="02040503050406030204" pitchFamily="18" charset="0"/>
+                        </a:rPr>
+                        <m:t>+</m:t>
+                      </m:r>
+                      <m:sSub>
+                        <m:sSubPr>
+                          <m:ctrlPr>
+                            <a:rPr kumimoji="1" lang="en-US" altLang="ja-JP" sz="1600" b="0" i="1" smtClean="0">
+                              <a:latin typeface="Cambria Math" panose="02040503050406030204" pitchFamily="18" charset="0"/>
+                            </a:rPr>
+                          </m:ctrlPr>
+                        </m:sSubPr>
+                        <m:e>
+                          <m:r>
+                            <a:rPr kumimoji="1" lang="en-US" altLang="ja-JP" sz="1600" b="0" i="1" smtClean="0">
+                              <a:latin typeface="Cambria Math" panose="02040503050406030204" pitchFamily="18" charset="0"/>
+                            </a:rPr>
+                            <m:t>𝑡</m:t>
+                          </m:r>
+                        </m:e>
+                        <m:sub>
+                          <m:r>
+                            <a:rPr kumimoji="1" lang="en-US" altLang="ja-JP" sz="1600" b="0" i="1" smtClean="0">
+                              <a:latin typeface="Cambria Math" panose="02040503050406030204" pitchFamily="18" charset="0"/>
+                            </a:rPr>
+                            <m:t>𝑓</m:t>
+                          </m:r>
+                        </m:sub>
+                      </m:sSub>
+                      <m:sSub>
+                        <m:sSubPr>
+                          <m:ctrlPr>
+                            <a:rPr kumimoji="1" lang="en-US" altLang="ja-JP" sz="1600" b="0" i="1" smtClean="0">
+                              <a:latin typeface="Cambria Math" panose="02040503050406030204" pitchFamily="18" charset="0"/>
+                            </a:rPr>
+                          </m:ctrlPr>
+                        </m:sSubPr>
+                        <m:e>
+                          <m:r>
+                            <a:rPr kumimoji="1" lang="en-US" altLang="ja-JP" sz="1600" b="0" i="1" smtClean="0">
+                              <a:latin typeface="Cambria Math" panose="02040503050406030204" pitchFamily="18" charset="0"/>
+                            </a:rPr>
+                            <m:t>𝑑</m:t>
+                          </m:r>
+                        </m:e>
+                        <m:sub>
+                          <m:r>
+                            <a:rPr kumimoji="1" lang="en-US" altLang="ja-JP" sz="1600" b="0" i="1" smtClean="0">
+                              <a:latin typeface="Cambria Math" panose="02040503050406030204" pitchFamily="18" charset="0"/>
+                            </a:rPr>
+                            <m:t>𝑜𝑢𝑡</m:t>
+                          </m:r>
+                          <m:r>
+                            <a:rPr kumimoji="1" lang="en-US" altLang="ja-JP" sz="1600" b="0" i="1" smtClean="0">
+                              <a:latin typeface="Cambria Math" panose="02040503050406030204" pitchFamily="18" charset="0"/>
+                            </a:rPr>
+                            <m:t>,</m:t>
+                          </m:r>
+                          <m:r>
+                            <a:rPr kumimoji="1" lang="en-US" altLang="ja-JP" sz="1600" b="0" i="1" smtClean="0">
+                              <a:latin typeface="Cambria Math" panose="02040503050406030204" pitchFamily="18" charset="0"/>
+                            </a:rPr>
+                            <m:t>𝑧</m:t>
+                          </m:r>
+                        </m:sub>
+                      </m:sSub>
+                    </m:oMath>
+                    <m:oMath xmlns:m="http://schemas.openxmlformats.org/officeDocument/2006/math">
+                      <m:r>
+                        <a:rPr kumimoji="1" lang="en-US" altLang="ja-JP" sz="1600" b="0" i="1" smtClean="0">
+                          <a:latin typeface="Cambria Math" panose="02040503050406030204" pitchFamily="18" charset="0"/>
+                        </a:rPr>
+                        <m:t> </m:t>
+                      </m:r>
+                    </m:oMath>
+                    <m:oMath xmlns:m="http://schemas.openxmlformats.org/officeDocument/2006/math">
+                      <m:sSub>
+                        <m:sSubPr>
+                          <m:ctrlPr>
+                            <a:rPr kumimoji="1" lang="en-US" altLang="ja-JP" sz="1600" b="0" i="1" smtClean="0">
+                              <a:latin typeface="Cambria Math" panose="02040503050406030204" pitchFamily="18" charset="0"/>
+                            </a:rPr>
+                          </m:ctrlPr>
+                        </m:sSubPr>
+                        <m:e>
+                          <m:r>
+                            <a:rPr kumimoji="1" lang="en-US" altLang="ja-JP" sz="1600" b="0" i="1" smtClean="0">
+                              <a:latin typeface="Cambria Math" panose="02040503050406030204" pitchFamily="18" charset="0"/>
+                            </a:rPr>
+                            <m:t>𝑡</m:t>
+                          </m:r>
+                        </m:e>
+                        <m:sub>
+                          <m:r>
+                            <a:rPr kumimoji="1" lang="en-US" altLang="ja-JP" sz="1600" b="0" i="1" smtClean="0">
+                              <a:latin typeface="Cambria Math" panose="02040503050406030204" pitchFamily="18" charset="0"/>
+                            </a:rPr>
+                            <m:t>𝑝</m:t>
+                          </m:r>
+                        </m:sub>
+                      </m:sSub>
+                      <m:r>
+                        <a:rPr kumimoji="1" lang="en-US" altLang="ja-JP" sz="1600" b="0" i="1" smtClean="0">
+                          <a:latin typeface="Cambria Math" panose="02040503050406030204" pitchFamily="18" charset="0"/>
+                        </a:rPr>
+                        <m:t>=</m:t>
+                      </m:r>
+                      <m:f>
+                        <m:fPr>
+                          <m:ctrlPr>
+                            <a:rPr kumimoji="1" lang="en-US" altLang="ja-JP" sz="1600" b="0" i="1" smtClean="0">
+                              <a:latin typeface="Cambria Math" panose="02040503050406030204" pitchFamily="18" charset="0"/>
+                            </a:rPr>
+                          </m:ctrlPr>
+                        </m:fPr>
+                        <m:num>
+                          <m:sSub>
+                            <m:sSubPr>
+                              <m:ctrlPr>
+                                <a:rPr kumimoji="1" lang="en-US" altLang="ja-JP" sz="1600" b="0" i="1" smtClean="0">
+                                  <a:latin typeface="Cambria Math" panose="02040503050406030204" pitchFamily="18" charset="0"/>
+                                </a:rPr>
+                              </m:ctrlPr>
+                            </m:sSubPr>
+                            <m:e>
+                              <m:r>
+                                <a:rPr kumimoji="1" lang="en-US" altLang="ja-JP" sz="1600" b="0" i="1" smtClean="0">
+                                  <a:latin typeface="Cambria Math" panose="02040503050406030204" pitchFamily="18" charset="0"/>
+                                </a:rPr>
+                                <m:t>𝑜</m:t>
+                              </m:r>
+                            </m:e>
+                            <m:sub>
+                              <m:r>
+                                <a:rPr kumimoji="1" lang="en-US" altLang="ja-JP" sz="1600" b="0" i="1" smtClean="0">
+                                  <a:latin typeface="Cambria Math" panose="02040503050406030204" pitchFamily="18" charset="0"/>
+                                </a:rPr>
+                                <m:t>𝑖𝑛</m:t>
+                              </m:r>
+                              <m:r>
+                                <a:rPr kumimoji="1" lang="en-US" altLang="ja-JP" sz="1600" b="0" i="1" smtClean="0">
+                                  <a:latin typeface="Cambria Math" panose="02040503050406030204" pitchFamily="18" charset="0"/>
+                                </a:rPr>
+                                <m:t>,</m:t>
+                              </m:r>
+                              <m:r>
+                                <a:rPr kumimoji="1" lang="en-US" altLang="ja-JP" sz="1600" b="0" i="1" smtClean="0">
+                                  <a:latin typeface="Cambria Math" panose="02040503050406030204" pitchFamily="18" charset="0"/>
+                                </a:rPr>
+                                <m:t>𝑥</m:t>
+                              </m:r>
+                            </m:sub>
+                          </m:sSub>
+                          <m:r>
+                            <a:rPr kumimoji="1" lang="en-US" altLang="ja-JP" sz="1600" b="0" i="1" smtClean="0">
+                              <a:latin typeface="Cambria Math" panose="02040503050406030204" pitchFamily="18" charset="0"/>
+                            </a:rPr>
+                            <m:t>−</m:t>
+                          </m:r>
+                          <m:sSub>
+                            <m:sSubPr>
+                              <m:ctrlPr>
+                                <a:rPr kumimoji="1" lang="en-US" altLang="ja-JP" sz="1600" i="1">
+                                  <a:latin typeface="Cambria Math" panose="02040503050406030204" pitchFamily="18" charset="0"/>
+                                </a:rPr>
+                              </m:ctrlPr>
+                            </m:sSubPr>
+                            <m:e>
+                              <m:r>
+                                <a:rPr kumimoji="1" lang="en-US" altLang="ja-JP" sz="1600" i="1">
+                                  <a:latin typeface="Cambria Math" panose="02040503050406030204" pitchFamily="18" charset="0"/>
+                                </a:rPr>
+                                <m:t>𝑜</m:t>
+                              </m:r>
+                            </m:e>
+                            <m:sub>
+                              <m:r>
+                                <a:rPr kumimoji="1" lang="en-US" altLang="ja-JP" sz="1600" i="1">
+                                  <a:latin typeface="Cambria Math" panose="02040503050406030204" pitchFamily="18" charset="0"/>
+                                </a:rPr>
+                                <m:t>𝑜𝑢𝑡</m:t>
+                              </m:r>
+                              <m:r>
+                                <a:rPr kumimoji="1" lang="en-US" altLang="ja-JP" sz="1600" i="1">
+                                  <a:latin typeface="Cambria Math" panose="02040503050406030204" pitchFamily="18" charset="0"/>
+                                </a:rPr>
+                                <m:t>,</m:t>
+                              </m:r>
+                              <m:r>
+                                <a:rPr kumimoji="1" lang="en-US" altLang="ja-JP" sz="1600" i="1">
+                                  <a:latin typeface="Cambria Math" panose="02040503050406030204" pitchFamily="18" charset="0"/>
+                                </a:rPr>
+                                <m:t>𝑥</m:t>
+                              </m:r>
+                            </m:sub>
+                          </m:sSub>
+                        </m:num>
+                        <m:den>
+                          <m:sSub>
+                            <m:sSubPr>
+                              <m:ctrlPr>
+                                <a:rPr kumimoji="1" lang="en-US" altLang="ja-JP" sz="1600" b="0" i="1" smtClean="0">
+                                  <a:latin typeface="Cambria Math" panose="02040503050406030204" pitchFamily="18" charset="0"/>
+                                </a:rPr>
+                              </m:ctrlPr>
+                            </m:sSubPr>
+                            <m:e>
+                              <m:r>
+                                <a:rPr kumimoji="1" lang="en-US" altLang="ja-JP" sz="1600" b="0" i="1" smtClean="0">
+                                  <a:latin typeface="Cambria Math" panose="02040503050406030204" pitchFamily="18" charset="0"/>
+                                </a:rPr>
+                                <m:t>𝑑</m:t>
+                              </m:r>
+                            </m:e>
+                            <m:sub>
+                              <m:r>
+                                <a:rPr kumimoji="1" lang="en-US" altLang="ja-JP" sz="1600" b="0" i="1" smtClean="0">
+                                  <a:latin typeface="Cambria Math" panose="02040503050406030204" pitchFamily="18" charset="0"/>
+                                </a:rPr>
+                                <m:t>𝑜𝑢𝑡</m:t>
+                              </m:r>
+                              <m:r>
+                                <a:rPr kumimoji="1" lang="en-US" altLang="ja-JP" sz="1600" b="0" i="1" smtClean="0">
+                                  <a:latin typeface="Cambria Math" panose="02040503050406030204" pitchFamily="18" charset="0"/>
+                                </a:rPr>
+                                <m:t>,</m:t>
+                              </m:r>
+                              <m:r>
+                                <a:rPr kumimoji="1" lang="en-US" altLang="ja-JP" sz="1600" b="0" i="1" smtClean="0">
+                                  <a:latin typeface="Cambria Math" panose="02040503050406030204" pitchFamily="18" charset="0"/>
+                                </a:rPr>
+                                <m:t>𝑥</m:t>
+                              </m:r>
+                            </m:sub>
+                          </m:sSub>
+                        </m:den>
+                      </m:f>
+                      <m:r>
+                        <a:rPr kumimoji="1" lang="en-US" altLang="ja-JP" sz="1600" b="0" i="1" smtClean="0">
+                          <a:latin typeface="Cambria Math" panose="02040503050406030204" pitchFamily="18" charset="0"/>
+                        </a:rPr>
+                        <m:t>,  </m:t>
+                      </m:r>
+                      <m:sSub>
+                        <m:sSubPr>
+                          <m:ctrlPr>
+                            <a:rPr kumimoji="1" lang="en-US" altLang="ja-JP" sz="1600" b="0" i="1" smtClean="0">
+                              <a:latin typeface="Cambria Math" panose="02040503050406030204" pitchFamily="18" charset="0"/>
+                            </a:rPr>
+                          </m:ctrlPr>
+                        </m:sSubPr>
+                        <m:e>
+                          <m:r>
+                            <a:rPr kumimoji="1" lang="en-US" altLang="ja-JP" sz="1600" b="0" i="1" smtClean="0">
+                              <a:latin typeface="Cambria Math" panose="02040503050406030204" pitchFamily="18" charset="0"/>
+                            </a:rPr>
+                            <m:t>𝑝</m:t>
+                          </m:r>
+                        </m:e>
+                        <m:sub>
+                          <m:r>
+                            <a:rPr kumimoji="1" lang="en-US" altLang="ja-JP" sz="1600" b="0" i="1" smtClean="0">
+                              <a:latin typeface="Cambria Math" panose="02040503050406030204" pitchFamily="18" charset="0"/>
+                            </a:rPr>
+                            <m:t>𝑧</m:t>
+                          </m:r>
+                        </m:sub>
+                      </m:sSub>
+                      <m:r>
+                        <a:rPr kumimoji="1" lang="en-US" altLang="ja-JP" sz="1600" b="0" i="1" smtClean="0">
+                          <a:latin typeface="Cambria Math" panose="02040503050406030204" pitchFamily="18" charset="0"/>
+                        </a:rPr>
+                        <m:t>=</m:t>
+                      </m:r>
+                      <m:sSub>
+                        <m:sSubPr>
+                          <m:ctrlPr>
+                            <a:rPr kumimoji="1" lang="en-US" altLang="ja-JP" sz="1600" b="0" i="1" smtClean="0">
+                              <a:latin typeface="Cambria Math" panose="02040503050406030204" pitchFamily="18" charset="0"/>
+                            </a:rPr>
+                          </m:ctrlPr>
+                        </m:sSubPr>
+                        <m:e>
+                          <m:r>
+                            <a:rPr kumimoji="1" lang="en-US" altLang="ja-JP" sz="1600" b="0" i="1" smtClean="0">
+                              <a:latin typeface="Cambria Math" panose="02040503050406030204" pitchFamily="18" charset="0"/>
+                            </a:rPr>
+                            <m:t>𝑜</m:t>
+                          </m:r>
+                        </m:e>
+                        <m:sub>
+                          <m:r>
+                            <a:rPr kumimoji="1" lang="en-US" altLang="ja-JP" sz="1600" b="0" i="1" smtClean="0">
+                              <a:latin typeface="Cambria Math" panose="02040503050406030204" pitchFamily="18" charset="0"/>
+                            </a:rPr>
+                            <m:t>𝑜𝑢𝑡</m:t>
+                          </m:r>
+                          <m:r>
+                            <a:rPr kumimoji="1" lang="en-US" altLang="ja-JP" sz="1600" b="0" i="1" smtClean="0">
+                              <a:latin typeface="Cambria Math" panose="02040503050406030204" pitchFamily="18" charset="0"/>
+                            </a:rPr>
+                            <m:t>,</m:t>
+                          </m:r>
+                          <m:r>
+                            <a:rPr kumimoji="1" lang="en-US" altLang="ja-JP" sz="1600" b="0" i="1" smtClean="0">
+                              <a:latin typeface="Cambria Math" panose="02040503050406030204" pitchFamily="18" charset="0"/>
+                            </a:rPr>
+                            <m:t>𝑧</m:t>
+                          </m:r>
+                        </m:sub>
+                      </m:sSub>
+                      <m:r>
+                        <a:rPr kumimoji="1" lang="en-US" altLang="ja-JP" sz="1600" b="0" i="1" smtClean="0">
+                          <a:latin typeface="Cambria Math" panose="02040503050406030204" pitchFamily="18" charset="0"/>
+                        </a:rPr>
+                        <m:t>+</m:t>
+                      </m:r>
+                      <m:sSub>
+                        <m:sSubPr>
+                          <m:ctrlPr>
+                            <a:rPr kumimoji="1" lang="en-US" altLang="ja-JP" sz="1600" b="0" i="1" smtClean="0">
+                              <a:latin typeface="Cambria Math" panose="02040503050406030204" pitchFamily="18" charset="0"/>
+                            </a:rPr>
+                          </m:ctrlPr>
+                        </m:sSubPr>
+                        <m:e>
+                          <m:r>
+                            <a:rPr kumimoji="1" lang="en-US" altLang="ja-JP" sz="1600" b="0" i="1" smtClean="0">
+                              <a:latin typeface="Cambria Math" panose="02040503050406030204" pitchFamily="18" charset="0"/>
+                            </a:rPr>
+                            <m:t>𝑡</m:t>
+                          </m:r>
+                        </m:e>
+                        <m:sub>
+                          <m:r>
+                            <a:rPr kumimoji="1" lang="en-US" altLang="ja-JP" sz="1600" b="0" i="1" smtClean="0">
+                              <a:latin typeface="Cambria Math" panose="02040503050406030204" pitchFamily="18" charset="0"/>
+                            </a:rPr>
+                            <m:t>𝑝</m:t>
+                          </m:r>
+                        </m:sub>
+                      </m:sSub>
+                      <m:sSub>
+                        <m:sSubPr>
+                          <m:ctrlPr>
+                            <a:rPr kumimoji="1" lang="en-US" altLang="ja-JP" sz="1600" b="0" i="1" smtClean="0">
+                              <a:latin typeface="Cambria Math" panose="02040503050406030204" pitchFamily="18" charset="0"/>
+                            </a:rPr>
+                          </m:ctrlPr>
+                        </m:sSubPr>
+                        <m:e>
+                          <m:r>
+                            <a:rPr kumimoji="1" lang="en-US" altLang="ja-JP" sz="1600" b="0" i="1" smtClean="0">
+                              <a:latin typeface="Cambria Math" panose="02040503050406030204" pitchFamily="18" charset="0"/>
+                            </a:rPr>
+                            <m:t>𝑑</m:t>
+                          </m:r>
+                        </m:e>
+                        <m:sub>
+                          <m:r>
+                            <a:rPr kumimoji="1" lang="en-US" altLang="ja-JP" sz="1600" b="0" i="1" smtClean="0">
+                              <a:latin typeface="Cambria Math" panose="02040503050406030204" pitchFamily="18" charset="0"/>
+                            </a:rPr>
+                            <m:t>𝑜𝑢𝑡</m:t>
+                          </m:r>
+                          <m:r>
+                            <a:rPr kumimoji="1" lang="en-US" altLang="ja-JP" sz="1600" b="0" i="1" smtClean="0">
+                              <a:latin typeface="Cambria Math" panose="02040503050406030204" pitchFamily="18" charset="0"/>
+                            </a:rPr>
+                            <m:t>,</m:t>
+                          </m:r>
+                          <m:r>
+                            <a:rPr kumimoji="1" lang="en-US" altLang="ja-JP" sz="1600" b="0" i="1" smtClean="0">
+                              <a:latin typeface="Cambria Math" panose="02040503050406030204" pitchFamily="18" charset="0"/>
+                            </a:rPr>
+                            <m:t>𝑧</m:t>
+                          </m:r>
+                        </m:sub>
+                      </m:sSub>
+                    </m:oMath>
+                  </m:oMathPara>
+                </a14:m>
+                <a:endParaRPr kumimoji="1" lang="ja-JP" altLang="en-US" sz="1600"/>
+              </a:p>
+            </p:txBody>
+          </p:sp>
+        </mc:Choice>
+        <mc:Fallback>
+          <p:sp>
+            <p:nvSpPr>
+              <p:cNvPr id="4" name="テキスト ボックス 3">
+                <a:extLst>
+                  <a:ext uri="{FF2B5EF4-FFF2-40B4-BE49-F238E27FC236}">
+                    <a16:creationId xmlns:a16="http://schemas.microsoft.com/office/drawing/2014/main" id="{D6C30E39-1191-7186-1B59-B178AA89C8D4}"/>
+                  </a:ext>
+                </a:extLst>
+              </p:cNvPr>
+              <p:cNvSpPr txBox="1">
+                <a:spLocks noRot="1" noChangeAspect="1" noMove="1" noResize="1" noEditPoints="1" noAdjustHandles="1" noChangeArrowheads="1" noChangeShapeType="1" noTextEdit="1"/>
+              </p:cNvSpPr>
+              <p:nvPr/>
+            </p:nvSpPr>
+            <p:spPr>
+              <a:xfrm>
+                <a:off x="7666715" y="4358130"/>
+                <a:ext cx="4157099" cy="1302664"/>
+              </a:xfrm>
+              <a:prstGeom prst="rect">
+                <a:avLst/>
+              </a:prstGeom>
+              <a:blipFill>
+                <a:blip r:embed="rId4"/>
+                <a:stretch>
+                  <a:fillRect/>
+                </a:stretch>
+              </a:blipFill>
+            </p:spPr>
+            <p:txBody>
+              <a:bodyPr/>
+              <a:lstStyle/>
+              <a:p>
+                <a:r>
+                  <a:rPr lang="ja-JP" altLang="en-US">
+                    <a:noFill/>
+                  </a:rPr>
+                  <a:t> </a:t>
+                </a:r>
+              </a:p>
+            </p:txBody>
+          </p:sp>
+        </mc:Fallback>
+      </mc:AlternateContent>
     </p:spTree>
     <p:extLst>
       <p:ext uri="{BB962C8B-B14F-4D97-AF65-F5344CB8AC3E}">
@@ -4841,8 +5563,8 @@
           </a:p>
         </p:txBody>
       </p:sp>
-      <mc:AlternateContent xmlns:mc="http://schemas.openxmlformats.org/markup-compatibility/2006">
-        <mc:Choice xmlns:a14="http://schemas.microsoft.com/office/drawing/2010/main" Requires="a14">
+      <mc:AlternateContent xmlns:mc="http://schemas.openxmlformats.org/markup-compatibility/2006" xmlns:a14="http://schemas.microsoft.com/office/drawing/2010/main">
+        <mc:Choice Requires="a14">
           <p:sp>
             <p:nvSpPr>
               <p:cNvPr id="3" name="コンテンツ プレースホルダー 2">
@@ -5584,7 +6306,7 @@
             </p:txBody>
           </p:sp>
         </mc:Choice>
-        <mc:Fallback>
+        <mc:Fallback xmlns="">
           <p:sp>
             <p:nvSpPr>
               <p:cNvPr id="3" name="コンテンツ プレースホルダー 2">
@@ -5739,8 +6461,8 @@
           </p:spPr>
         </p:pic>
       </p:grpSp>
-      <mc:AlternateContent xmlns:mc="http://schemas.openxmlformats.org/markup-compatibility/2006">
-        <mc:Choice xmlns:a14="http://schemas.microsoft.com/office/drawing/2010/main" Requires="a14">
+      <mc:AlternateContent xmlns:mc="http://schemas.openxmlformats.org/markup-compatibility/2006" xmlns:a14="http://schemas.microsoft.com/office/drawing/2010/main">
+        <mc:Choice Requires="a14">
           <p:sp>
             <p:nvSpPr>
               <p:cNvPr id="11" name="テキスト ボックス 10">
@@ -5769,6 +6491,7 @@
               </a:bodyPr>
               <a:lstStyle/>
               <a:p>
+                <a:pPr/>
                 <a14:m>
                   <m:oMathPara xmlns:m="http://schemas.openxmlformats.org/officeDocument/2006/math">
                     <m:oMathParaPr>
@@ -5821,7 +6544,7 @@
             </p:txBody>
           </p:sp>
         </mc:Choice>
-        <mc:Fallback>
+        <mc:Fallback xmlns="">
           <p:sp>
             <p:nvSpPr>
               <p:cNvPr id="11" name="テキスト ボックス 10">
@@ -5866,8 +6589,8 @@
           </p:sp>
         </mc:Fallback>
       </mc:AlternateContent>
-      <mc:AlternateContent xmlns:mc="http://schemas.openxmlformats.org/markup-compatibility/2006">
-        <mc:Choice xmlns:a14="http://schemas.microsoft.com/office/drawing/2010/main" Requires="a14">
+      <mc:AlternateContent xmlns:mc="http://schemas.openxmlformats.org/markup-compatibility/2006" xmlns:a14="http://schemas.microsoft.com/office/drawing/2010/main">
+        <mc:Choice Requires="a14">
           <p:sp>
             <p:nvSpPr>
               <p:cNvPr id="12" name="テキスト ボックス 11">
@@ -5896,6 +6619,7 @@
               </a:bodyPr>
               <a:lstStyle/>
               <a:p>
+                <a:pPr/>
                 <a14:m>
                   <m:oMathPara xmlns:m="http://schemas.openxmlformats.org/officeDocument/2006/math">
                     <m:oMathParaPr>
@@ -5948,7 +6672,7 @@
             </p:txBody>
           </p:sp>
         </mc:Choice>
-        <mc:Fallback>
+        <mc:Fallback xmlns="">
           <p:sp>
             <p:nvSpPr>
               <p:cNvPr id="12" name="テキスト ボックス 11">
@@ -5993,8 +6717,8 @@
           </p:sp>
         </mc:Fallback>
       </mc:AlternateContent>
-      <mc:AlternateContent xmlns:mc="http://schemas.openxmlformats.org/markup-compatibility/2006">
-        <mc:Choice xmlns:a14="http://schemas.microsoft.com/office/drawing/2010/main" Requires="a14">
+      <mc:AlternateContent xmlns:mc="http://schemas.openxmlformats.org/markup-compatibility/2006" xmlns:a14="http://schemas.microsoft.com/office/drawing/2010/main">
+        <mc:Choice Requires="a14">
           <p:sp>
             <p:nvSpPr>
               <p:cNvPr id="13" name="テキスト ボックス 12">
@@ -6023,6 +6747,7 @@
               </a:bodyPr>
               <a:lstStyle/>
               <a:p>
+                <a:pPr/>
                 <a14:m>
                   <m:oMathPara xmlns:m="http://schemas.openxmlformats.org/officeDocument/2006/math">
                     <m:oMathParaPr>
@@ -6075,7 +6800,7 @@
             </p:txBody>
           </p:sp>
         </mc:Choice>
-        <mc:Fallback>
+        <mc:Fallback xmlns="">
           <p:sp>
             <p:nvSpPr>
               <p:cNvPr id="13" name="テキスト ボックス 12">
